--- a/001_JavaScript/001_lesson/Presentation/Object+Array.pptx
+++ b/001_JavaScript/001_lesson/Presentation/Object+Array.pptx
@@ -117,7 +117,7 @@
   </p:defaultTextStyle>
   <p:extLst>
     <p:ext uri="{EFAFB233-063F-42B5-8137-9DF3F51BA10A}">
-      <p15:sldGuideLst xmlns:p15="http://schemas.microsoft.com/office/powerpoint/2012/main">
+      <p15:sldGuideLst xmlns:p15="http://schemas.microsoft.com/office/powerpoint/2012/main" xmlns="">
         <p15:guide id="1" orient="horz" pos="1620">
           <p15:clr>
             <a:srgbClr val="A4A3A4"/>
@@ -141,7 +141,7 @@
       </p15:sldGuideLst>
     </p:ext>
     <p:ext uri="{2D200454-40CA-4A62-9FC3-DE9A4176ACB9}">
-      <p15:notesGuideLst xmlns:p15="http://schemas.microsoft.com/office/powerpoint/2012/main">
+      <p15:notesGuideLst xmlns:p15="http://schemas.microsoft.com/office/powerpoint/2012/main" xmlns="">
         <p15:guide id="1" orient="horz" pos="2880">
           <p15:clr>
             <a:srgbClr val="A4A3A4"/>
@@ -241,7 +241,7 @@
             <a:fld id="{C1951A84-8083-4F68-A786-57C80B44AB3C}" type="datetimeFigureOut">
               <a:rPr lang="en-US" smtClean="0"/>
               <a:pPr/>
-              <a:t>6/18/2016</a:t>
+              <a:t>7/28/2016</a:t>
             </a:fld>
             <a:endParaRPr lang="en-US"/>
           </a:p>
@@ -317,7 +317,7 @@
     </p:spTree>
     <p:extLst>
       <p:ext uri="{BB962C8B-B14F-4D97-AF65-F5344CB8AC3E}">
-        <p14:creationId xmlns:p14="http://schemas.microsoft.com/office/powerpoint/2010/main" val="171833131"/>
+        <p14:creationId xmlns:p14="http://schemas.microsoft.com/office/powerpoint/2010/main" xmlns="" val="171833131"/>
       </p:ext>
     </p:extLst>
   </p:cSld>
@@ -408,7 +408,7 @@
             <a:fld id="{F938EB94-4B54-4539-BEE7-C3885B42E71C}" type="datetimeFigureOut">
               <a:rPr lang="en-US" smtClean="0"/>
               <a:pPr/>
-              <a:t>6/18/2016</a:t>
+              <a:t>7/28/2016</a:t>
             </a:fld>
             <a:endParaRPr lang="en-US"/>
           </a:p>
@@ -576,7 +576,7 @@
     </p:spTree>
     <p:extLst>
       <p:ext uri="{BB962C8B-B14F-4D97-AF65-F5344CB8AC3E}">
-        <p14:creationId xmlns:p14="http://schemas.microsoft.com/office/powerpoint/2010/main" val="4273275644"/>
+        <p14:creationId xmlns:p14="http://schemas.microsoft.com/office/powerpoint/2010/main" xmlns="" val="4273275644"/>
       </p:ext>
     </p:extLst>
   </p:cSld>
@@ -1181,7 +1181,7 @@
     </p:spTree>
     <p:extLst>
       <p:ext uri="{BB962C8B-B14F-4D97-AF65-F5344CB8AC3E}">
-        <p14:creationId xmlns:p14="http://schemas.microsoft.com/office/powerpoint/2010/main" val="3537187278"/>
+        <p14:creationId xmlns:p14="http://schemas.microsoft.com/office/powerpoint/2010/main" xmlns="" val="3537187278"/>
       </p:ext>
     </p:extLst>
   </p:cSld>
@@ -1220,7 +1220,7 @@
           <a:blip r:embed="rId2" cstate="print">
             <a:extLst>
               <a:ext uri="{28A0092B-C50C-407E-A947-70E740481C1C}">
-                <a14:useLocalDpi xmlns:a14="http://schemas.microsoft.com/office/drawing/2010/main" val="0"/>
+                <a14:useLocalDpi xmlns:a14="http://schemas.microsoft.com/office/drawing/2010/main" xmlns="" val="0"/>
               </a:ext>
             </a:extLst>
           </a:blip>
@@ -1244,14 +1244,14 @@
           <a:effectLst/>
           <a:extLst>
             <a:ext uri="{909E8E84-426E-40DD-AFC4-6F175D3DCCD1}">
-              <a14:hiddenFill xmlns:a14="http://schemas.microsoft.com/office/drawing/2010/main">
+              <a14:hiddenFill xmlns:a14="http://schemas.microsoft.com/office/drawing/2010/main" xmlns="">
                 <a:solidFill>
                   <a:schemeClr val="accent1"/>
                 </a:solidFill>
               </a14:hiddenFill>
             </a:ext>
             <a:ext uri="{91240B29-F687-4F45-9708-019B960494DF}">
-              <a14:hiddenLine xmlns:a14="http://schemas.microsoft.com/office/drawing/2010/main" w="9525">
+              <a14:hiddenLine xmlns:a14="http://schemas.microsoft.com/office/drawing/2010/main" xmlns="" w="9525">
                 <a:solidFill>
                   <a:schemeClr val="tx1"/>
                 </a:solidFill>
@@ -1261,7 +1261,7 @@
               </a14:hiddenLine>
             </a:ext>
             <a:ext uri="{AF507438-7753-43E0-B8FC-AC1667EBCBE1}">
-              <a14:hiddenEffects xmlns:a14="http://schemas.microsoft.com/office/drawing/2010/main">
+              <a14:hiddenEffects xmlns:a14="http://schemas.microsoft.com/office/drawing/2010/main" xmlns="">
                 <a:effectLst>
                   <a:outerShdw dist="35921" dir="2700000" algn="ctr" rotWithShape="0">
                     <a:schemeClr val="bg2"/>
@@ -1401,7 +1401,7 @@
     </p:spTree>
     <p:extLst>
       <p:ext uri="{BB962C8B-B14F-4D97-AF65-F5344CB8AC3E}">
-        <p14:creationId xmlns:p14="http://schemas.microsoft.com/office/powerpoint/2010/main" val="2097366919"/>
+        <p14:creationId xmlns:p14="http://schemas.microsoft.com/office/powerpoint/2010/main" xmlns="" val="2097366919"/>
       </p:ext>
     </p:extLst>
   </p:cSld>
@@ -1468,7 +1468,7 @@
     </p:spTree>
     <p:extLst>
       <p:ext uri="{BB962C8B-B14F-4D97-AF65-F5344CB8AC3E}">
-        <p14:creationId xmlns:p14="http://schemas.microsoft.com/office/powerpoint/2010/main" val="779007194"/>
+        <p14:creationId xmlns:p14="http://schemas.microsoft.com/office/powerpoint/2010/main" xmlns="" val="779007194"/>
       </p:ext>
     </p:extLst>
   </p:cSld>
@@ -1789,7 +1789,9 @@
           <a:lstStyle/>
           <a:p>
             <a:pPr algn="ctr"/>
-            <a:endParaRPr lang="en-US" dirty="0"/>
+            <a:endParaRPr lang="en-US" dirty="0">
+              <a:latin typeface="Calibri" pitchFamily="34" charset="0"/>
+            </a:endParaRPr>
           </a:p>
         </p:txBody>
       </p:sp>
@@ -1820,7 +1822,7 @@
                 <a:solidFill>
                   <a:schemeClr val="bg1"/>
                 </a:solidFill>
-                <a:latin typeface="Roboto Thin" panose="02000000000000000000" pitchFamily="2" charset="0"/>
+                <a:latin typeface="Calibri" pitchFamily="34" charset="0"/>
                 <a:ea typeface="Roboto Thin" panose="02000000000000000000" pitchFamily="2" charset="0"/>
                 <a:cs typeface="Roboto Thin" panose="02000000000000000000" pitchFamily="2" charset="0"/>
               </a:rPr>
@@ -1830,7 +1832,7 @@
               <a:solidFill>
                 <a:srgbClr val="7564BC"/>
               </a:solidFill>
-              <a:latin typeface="Roboto Thin" panose="02000000000000000000" pitchFamily="2" charset="0"/>
+              <a:latin typeface="Calibri" pitchFamily="34" charset="0"/>
               <a:ea typeface="Roboto Thin" panose="02000000000000000000" pitchFamily="2" charset="0"/>
               <a:cs typeface="Roboto Thin" panose="02000000000000000000" pitchFamily="2" charset="0"/>
             </a:endParaRPr>
@@ -2022,7 +2024,7 @@
                     <a:lumOff val="10000"/>
                   </a:schemeClr>
                 </a:solidFill>
-                <a:latin typeface="Roboto Light" panose="02000000000000000000" pitchFamily="2" charset="0"/>
+                <a:latin typeface="Calibri" pitchFamily="34" charset="0"/>
                 <a:ea typeface="Roboto Light" panose="02000000000000000000" pitchFamily="2" charset="0"/>
                 <a:cs typeface="Roboto Light" panose="02000000000000000000" pitchFamily="2" charset="0"/>
               </a:rPr>
@@ -2043,7 +2045,7 @@
           <a:blip r:embed="rId2" cstate="print">
             <a:extLst>
               <a:ext uri="{28A0092B-C50C-407E-A947-70E740481C1C}">
-                <a14:useLocalDpi xmlns:a14="http://schemas.microsoft.com/office/drawing/2010/main" val="0"/>
+                <a14:useLocalDpi xmlns:a14="http://schemas.microsoft.com/office/drawing/2010/main" xmlns="" val="0"/>
               </a:ext>
             </a:extLst>
           </a:blip>
@@ -2063,7 +2065,7 @@
           <a:noFill/>
           <a:extLst>
             <a:ext uri="{909E8E84-426E-40DD-AFC4-6F175D3DCCD1}">
-              <a14:hiddenFill xmlns:a14="http://schemas.microsoft.com/office/drawing/2010/main">
+              <a14:hiddenFill xmlns:a14="http://schemas.microsoft.com/office/drawing/2010/main" xmlns="">
                 <a:solidFill>
                   <a:srgbClr val="FFFFFF"/>
                 </a:solidFill>
@@ -2099,20 +2101,22 @@
                 <a:solidFill>
                   <a:srgbClr val="7564BC"/>
                 </a:solidFill>
-                <a:latin typeface="Roboto Black" panose="02000000000000000000" pitchFamily="2" charset="0"/>
+                <a:latin typeface="Calibri" pitchFamily="34" charset="0"/>
                 <a:ea typeface="Roboto Black" panose="02000000000000000000" pitchFamily="2" charset="0"/>
                 <a:cs typeface="Roboto Black" panose="02000000000000000000" pitchFamily="2" charset="0"/>
               </a:rPr>
               <a:t>Объекты и массивы</a:t>
             </a:r>
-            <a:endParaRPr lang="en-US" dirty="0"/>
+            <a:endParaRPr lang="en-US" dirty="0">
+              <a:latin typeface="Calibri" pitchFamily="34" charset="0"/>
+            </a:endParaRPr>
           </a:p>
         </p:txBody>
       </p:sp>
     </p:spTree>
     <p:extLst>
       <p:ext uri="{BB962C8B-B14F-4D97-AF65-F5344CB8AC3E}">
-        <p14:creationId xmlns:p14="http://schemas.microsoft.com/office/powerpoint/2010/main" val="3436223543"/>
+        <p14:creationId xmlns:p14="http://schemas.microsoft.com/office/powerpoint/2010/main" xmlns="" val="3436223543"/>
       </p:ext>
     </p:extLst>
   </p:cSld>
@@ -2158,17 +2162,13 @@
           <a:p>
             <a:r>
               <a:rPr lang="ru-RU" sz="2700" dirty="0">
-                <a:latin typeface="Roboto Light" panose="02000000000000000000" pitchFamily="2" charset="0"/>
-                <a:ea typeface="Roboto Light" panose="02000000000000000000" pitchFamily="2" charset="0"/>
-                <a:cs typeface="Roboto Light" panose="02000000000000000000" pitchFamily="2" charset="0"/>
+                <a:latin typeface="Calibri" pitchFamily="34" charset="0"/>
               </a:rPr>
               <a:t>Язык программирования </a:t>
             </a:r>
             <a:r>
               <a:rPr lang="en-US" sz="2700" dirty="0">
-                <a:latin typeface="Roboto Light" panose="02000000000000000000" pitchFamily="2" charset="0"/>
-                <a:ea typeface="Roboto Light" panose="02000000000000000000" pitchFamily="2" charset="0"/>
-                <a:cs typeface="Roboto Light" panose="02000000000000000000" pitchFamily="2" charset="0"/>
+                <a:latin typeface="Calibri" pitchFamily="34" charset="0"/>
               </a:rPr>
               <a:t>JavaScript</a:t>
             </a:r>
@@ -2340,7 +2340,7 @@
                 <a:solidFill>
                   <a:schemeClr val="accent1"/>
                 </a:solidFill>
-                <a:latin typeface="Roboto Thin" panose="02000000000000000000" pitchFamily="2" charset="0"/>
+                <a:latin typeface="Calibri" pitchFamily="34" charset="0"/>
                 <a:ea typeface="Roboto Thin" panose="02000000000000000000" pitchFamily="2" charset="0"/>
                 <a:cs typeface="Roboto Thin" panose="02000000000000000000" pitchFamily="2" charset="0"/>
               </a:rPr>
@@ -2350,7 +2350,7 @@
               <a:solidFill>
                 <a:schemeClr val="accent1"/>
               </a:solidFill>
-              <a:latin typeface="Roboto Thin" panose="02000000000000000000" pitchFamily="2" charset="0"/>
+              <a:latin typeface="Calibri" pitchFamily="34" charset="0"/>
               <a:ea typeface="Roboto Thin" panose="02000000000000000000" pitchFamily="2" charset="0"/>
               <a:cs typeface="Roboto Thin" panose="02000000000000000000" pitchFamily="2" charset="0"/>
             </a:endParaRPr>
@@ -2417,7 +2417,7 @@
           <a:blip r:embed="rId4" cstate="print">
             <a:extLst>
               <a:ext uri="{28A0092B-C50C-407E-A947-70E740481C1C}">
-                <a14:useLocalDpi xmlns:a14="http://schemas.microsoft.com/office/drawing/2010/main" val="0"/>
+                <a14:useLocalDpi xmlns:a14="http://schemas.microsoft.com/office/drawing/2010/main" xmlns="" val="0"/>
               </a:ext>
             </a:extLst>
           </a:blip>
@@ -2438,7 +2438,7 @@
     </p:spTree>
     <p:extLst>
       <p:ext uri="{BB962C8B-B14F-4D97-AF65-F5344CB8AC3E}">
-        <p14:creationId xmlns:p14="http://schemas.microsoft.com/office/powerpoint/2010/main" val="339667539"/>
+        <p14:creationId xmlns:p14="http://schemas.microsoft.com/office/powerpoint/2010/main" xmlns="" val="339667539"/>
       </p:ext>
     </p:extLst>
   </p:cSld>
@@ -2481,11 +2481,15 @@
           <a:lstStyle/>
           <a:p>
             <a:r>
-              <a:rPr lang="ru-RU" dirty="0"/>
+              <a:rPr lang="ru-RU" sz="1800" dirty="0">
+                <a:latin typeface="Calibri" pitchFamily="34" charset="0"/>
+              </a:rPr>
               <a:t>Объекты в </a:t>
             </a:r>
             <a:r>
-              <a:rPr lang="en-US" dirty="0"/>
+              <a:rPr lang="en-US" sz="1800" dirty="0">
+                <a:latin typeface="Calibri" pitchFamily="34" charset="0"/>
+              </a:rPr>
               <a:t>JavaScript</a:t>
             </a:r>
           </a:p>
@@ -2500,7 +2504,7 @@
         <p:spPr>
           <a:xfrm>
             <a:off x="457200" y="1108710"/>
-            <a:ext cx="8229600" cy="2308324"/>
+            <a:ext cx="8229600" cy="3416320"/>
           </a:xfrm>
           <a:prstGeom prst="rect">
             <a:avLst/>
@@ -2514,88 +2518,88 @@
           <a:lstStyle/>
           <a:p>
             <a:r>
-              <a:rPr lang="ru-RU" sz="1400" b="1" dirty="0">
+              <a:rPr lang="ru-RU" b="1" dirty="0">
                 <a:latin typeface="Calibri" panose="020F0502020204030204" pitchFamily="34" charset="0"/>
               </a:rPr>
               <a:t>Объекты </a:t>
             </a:r>
             <a:r>
-              <a:rPr lang="ru-RU" sz="1400" dirty="0">
+              <a:rPr lang="ru-RU" dirty="0">
                 <a:latin typeface="Calibri" panose="020F0502020204030204" pitchFamily="34" charset="0"/>
               </a:rPr>
               <a:t>– это составной тип данных, который объединяет множество значений в единый модуль и позволяет сохранять и извлекать значения по их именам.  </a:t>
             </a:r>
           </a:p>
           <a:p>
-            <a:endParaRPr lang="ru-RU" sz="1400" b="1" dirty="0">
+            <a:endParaRPr lang="ru-RU" b="1" dirty="0">
               <a:latin typeface="Calibri" panose="020F0502020204030204" pitchFamily="34" charset="0"/>
             </a:endParaRPr>
           </a:p>
           <a:p>
             <a:r>
-              <a:rPr lang="ru-RU" sz="1400" dirty="0">
+              <a:rPr lang="ru-RU" dirty="0">
                 <a:latin typeface="Calibri" panose="020F0502020204030204" pitchFamily="34" charset="0"/>
               </a:rPr>
               <a:t>Объекты в </a:t>
             </a:r>
             <a:r>
-              <a:rPr lang="ru-RU" sz="1400" dirty="0" err="1">
+              <a:rPr lang="ru-RU" dirty="0" err="1">
                 <a:latin typeface="Calibri" panose="020F0502020204030204" pitchFamily="34" charset="0"/>
               </a:rPr>
               <a:t>JavaScript</a:t>
             </a:r>
             <a:r>
-              <a:rPr lang="ru-RU" sz="1400" dirty="0">
+              <a:rPr lang="ru-RU" dirty="0">
                 <a:latin typeface="Calibri" panose="020F0502020204030204" pitchFamily="34" charset="0"/>
               </a:rPr>
               <a:t> сочетают в себе два важных функционала. </a:t>
             </a:r>
           </a:p>
           <a:p>
-            <a:endParaRPr lang="ru-RU" sz="1400" dirty="0">
+            <a:endParaRPr lang="ru-RU" dirty="0">
               <a:latin typeface="Calibri" panose="020F0502020204030204" pitchFamily="34" charset="0"/>
             </a:endParaRPr>
           </a:p>
           <a:p>
             <a:r>
-              <a:rPr lang="ru-RU" sz="1400" dirty="0">
+              <a:rPr lang="ru-RU" dirty="0">
                 <a:latin typeface="Calibri" panose="020F0502020204030204" pitchFamily="34" charset="0"/>
               </a:rPr>
               <a:t>Первый – это </a:t>
             </a:r>
             <a:r>
-              <a:rPr lang="ru-RU" sz="1400" b="1" dirty="0">
+              <a:rPr lang="ru-RU" b="1" dirty="0">
                 <a:latin typeface="Calibri" panose="020F0502020204030204" pitchFamily="34" charset="0"/>
               </a:rPr>
               <a:t>ассоциативный массив</a:t>
             </a:r>
             <a:r>
-              <a:rPr lang="ru-RU" sz="1400" dirty="0">
+              <a:rPr lang="ru-RU" dirty="0">
                 <a:latin typeface="Calibri" panose="020F0502020204030204" pitchFamily="34" charset="0"/>
               </a:rPr>
               <a:t>: структура, пригодная для хранения любых данных. В этой главе мы рассмотрим использование объектов именно как массивов.</a:t>
             </a:r>
           </a:p>
           <a:p>
-            <a:endParaRPr lang="ru-RU" sz="1400" dirty="0">
+            <a:endParaRPr lang="ru-RU" dirty="0">
               <a:latin typeface="Calibri" panose="020F0502020204030204" pitchFamily="34" charset="0"/>
             </a:endParaRPr>
           </a:p>
           <a:p>
             <a:r>
-              <a:rPr lang="ru-RU" sz="1400" dirty="0">
+              <a:rPr lang="ru-RU" dirty="0">
                 <a:latin typeface="Calibri" panose="020F0502020204030204" pitchFamily="34" charset="0"/>
               </a:rPr>
               <a:t>Второй – </a:t>
             </a:r>
             <a:r>
-              <a:rPr lang="ru-RU" sz="1400" b="1" dirty="0">
+              <a:rPr lang="ru-RU" b="1" dirty="0">
                 <a:latin typeface="Calibri" panose="020F0502020204030204" pitchFamily="34" charset="0"/>
               </a:rPr>
               <a:t>языковые возможности для объектно-ориентированного программирования</a:t>
             </a:r>
             <a:r>
-              <a:rPr lang="ru-RU" sz="1400" dirty="0">
+              <a:rPr lang="ru-RU" dirty="0">
                 <a:latin typeface="Calibri" panose="020F0502020204030204" pitchFamily="34" charset="0"/>
               </a:rPr>
               <a:t>. </a:t>
@@ -2611,7 +2615,7 @@
     </p:spTree>
     <p:extLst>
       <p:ext uri="{BB962C8B-B14F-4D97-AF65-F5344CB8AC3E}">
-        <p14:creationId xmlns:p14="http://schemas.microsoft.com/office/powerpoint/2010/main" val="2972715479"/>
+        <p14:creationId xmlns:p14="http://schemas.microsoft.com/office/powerpoint/2010/main" xmlns="" val="2972715479"/>
       </p:ext>
     </p:extLst>
   </p:cSld>
@@ -2705,14 +2709,20 @@
           <a:lstStyle/>
           <a:p>
             <a:r>
-              <a:rPr lang="ru-RU" dirty="0"/>
+              <a:rPr lang="ru-RU" sz="1800" dirty="0">
+                <a:latin typeface="Calibri" pitchFamily="34" charset="0"/>
+              </a:rPr>
               <a:t>Способы создания объектов в </a:t>
             </a:r>
             <a:r>
-              <a:rPr lang="en-US" dirty="0"/>
+              <a:rPr lang="en-US" sz="1800" dirty="0">
+                <a:latin typeface="Calibri" pitchFamily="34" charset="0"/>
+              </a:rPr>
               <a:t>JavaScript</a:t>
             </a:r>
-            <a:endParaRPr lang="uk-UA" dirty="0"/>
+            <a:endParaRPr lang="uk-UA" sz="1800" dirty="0">
+              <a:latin typeface="Calibri" pitchFamily="34" charset="0"/>
+            </a:endParaRPr>
           </a:p>
         </p:txBody>
       </p:sp>
@@ -2830,7 +2840,7 @@
         <p:spPr>
           <a:xfrm>
             <a:off x="1097280" y="1992630"/>
-            <a:ext cx="2926080" cy="1169551"/>
+            <a:ext cx="2926080" cy="1477328"/>
           </a:xfrm>
           <a:prstGeom prst="rect">
             <a:avLst/>
@@ -2844,7 +2854,7 @@
           <a:lstStyle/>
           <a:p>
             <a:r>
-              <a:rPr lang="en-US" sz="1400" dirty="0" err="1">
+              <a:rPr lang="en-US" dirty="0" err="1">
                 <a:solidFill>
                   <a:srgbClr val="0000FF"/>
                 </a:solidFill>
@@ -2853,7 +2863,7 @@
               <a:t>var</a:t>
             </a:r>
             <a:r>
-              <a:rPr lang="en-US" sz="1400" dirty="0">
+              <a:rPr lang="en-US" dirty="0">
                 <a:latin typeface="Calibri" panose="020F0502020204030204" pitchFamily="34" charset="0"/>
               </a:rPr>
               <a:t> cat = { </a:t>
@@ -2861,48 +2871,48 @@
           </a:p>
           <a:p>
             <a:r>
-              <a:rPr lang="ru-RU" sz="1400" dirty="0">
+              <a:rPr lang="ru-RU" dirty="0">
                 <a:latin typeface="Calibri" panose="020F0502020204030204" pitchFamily="34" charset="0"/>
               </a:rPr>
               <a:t>     </a:t>
             </a:r>
             <a:r>
-              <a:rPr lang="en-US" sz="1400" dirty="0">
+              <a:rPr lang="en-US" dirty="0">
                 <a:latin typeface="Calibri" panose="020F0502020204030204" pitchFamily="34" charset="0"/>
               </a:rPr>
               <a:t>breed: ‘</a:t>
             </a:r>
             <a:r>
-              <a:rPr lang="en-US" sz="1400" dirty="0" err="1">
+              <a:rPr lang="en-US" dirty="0" err="1">
                 <a:latin typeface="Calibri" panose="020F0502020204030204" pitchFamily="34" charset="0"/>
               </a:rPr>
               <a:t>burmese</a:t>
             </a:r>
             <a:r>
-              <a:rPr lang="en-US" sz="1400" dirty="0">
+              <a:rPr lang="en-US" dirty="0">
                 <a:latin typeface="Calibri" panose="020F0502020204030204" pitchFamily="34" charset="0"/>
               </a:rPr>
               <a:t>’, </a:t>
             </a:r>
             <a:r>
-              <a:rPr lang="ru-RU" sz="1400" dirty="0">
+              <a:rPr lang="ru-RU" dirty="0">
                 <a:latin typeface="Calibri" panose="020F0502020204030204" pitchFamily="34" charset="0"/>
               </a:rPr>
               <a:t> </a:t>
             </a:r>
-            <a:endParaRPr lang="en-US" sz="1400" dirty="0">
+            <a:endParaRPr lang="en-US" dirty="0">
               <a:latin typeface="Calibri" panose="020F0502020204030204" pitchFamily="34" charset="0"/>
             </a:endParaRPr>
           </a:p>
           <a:p>
             <a:r>
-              <a:rPr lang="ru-RU" sz="1400" dirty="0">
+              <a:rPr lang="ru-RU" dirty="0">
                 <a:latin typeface="Calibri" panose="020F0502020204030204" pitchFamily="34" charset="0"/>
               </a:rPr>
               <a:t>     </a:t>
             </a:r>
             <a:r>
-              <a:rPr lang="en-US" sz="1400" dirty="0">
+              <a:rPr lang="en-US" dirty="0">
                 <a:latin typeface="Calibri" panose="020F0502020204030204" pitchFamily="34" charset="0"/>
               </a:rPr>
               <a:t>weight: ‘5 kg’</a:t>
@@ -2910,13 +2920,13 @@
           </a:p>
           <a:p>
             <a:r>
-              <a:rPr lang="ru-RU" sz="1400" dirty="0">
+              <a:rPr lang="ru-RU" dirty="0">
                 <a:latin typeface="Calibri" panose="020F0502020204030204" pitchFamily="34" charset="0"/>
               </a:rPr>
               <a:t>    </a:t>
             </a:r>
             <a:r>
-              <a:rPr lang="en-US" sz="1400" dirty="0">
+              <a:rPr lang="en-US" dirty="0">
                 <a:latin typeface="Calibri" panose="020F0502020204030204" pitchFamily="34" charset="0"/>
               </a:rPr>
               <a:t>eat: function() {   …   }</a:t>
@@ -2924,18 +2934,18 @@
           </a:p>
           <a:p>
             <a:r>
-              <a:rPr lang="en-US" sz="1400" dirty="0">
+              <a:rPr lang="en-US" dirty="0">
                 <a:latin typeface="Calibri" panose="020F0502020204030204" pitchFamily="34" charset="0"/>
               </a:rPr>
               <a:t> }  </a:t>
             </a:r>
             <a:r>
-              <a:rPr lang="ru-RU" sz="1400" dirty="0">
+              <a:rPr lang="ru-RU" dirty="0">
                 <a:latin typeface="Calibri" panose="020F0502020204030204" pitchFamily="34" charset="0"/>
               </a:rPr>
               <a:t> </a:t>
             </a:r>
-            <a:endParaRPr lang="uk-UA" sz="1400" dirty="0">
+            <a:endParaRPr lang="uk-UA" dirty="0">
               <a:latin typeface="Calibri" panose="020F0502020204030204" pitchFamily="34" charset="0"/>
             </a:endParaRPr>
           </a:p>
@@ -2950,7 +2960,7 @@
         <p:spPr>
           <a:xfrm>
             <a:off x="6035040" y="2016859"/>
-            <a:ext cx="2377440" cy="1169551"/>
+            <a:ext cx="2377440" cy="1754326"/>
           </a:xfrm>
           <a:prstGeom prst="rect">
             <a:avLst/>
@@ -2964,7 +2974,7 @@
           <a:lstStyle/>
           <a:p>
             <a:r>
-              <a:rPr lang="en-US" sz="1400" dirty="0" err="1">
+              <a:rPr lang="en-US" dirty="0" err="1">
                 <a:solidFill>
                   <a:srgbClr val="0000FF"/>
                 </a:solidFill>
@@ -2973,38 +2983,38 @@
               <a:t>var</a:t>
             </a:r>
             <a:r>
-              <a:rPr lang="en-US" sz="1400" dirty="0">
+              <a:rPr lang="en-US" dirty="0">
                 <a:latin typeface="Calibri" panose="020F0502020204030204" pitchFamily="34" charset="0"/>
               </a:rPr>
               <a:t> cat = new Object(); </a:t>
             </a:r>
           </a:p>
           <a:p>
-            <a:endParaRPr lang="en-US" sz="1400" dirty="0">
+            <a:endParaRPr lang="en-US" dirty="0">
               <a:latin typeface="Calibri" panose="020F0502020204030204" pitchFamily="34" charset="0"/>
             </a:endParaRPr>
           </a:p>
           <a:p>
             <a:r>
-              <a:rPr lang="en-US" sz="1400" dirty="0" err="1">
+              <a:rPr lang="en-US" dirty="0" err="1">
                 <a:latin typeface="Calibri" panose="020F0502020204030204" pitchFamily="34" charset="0"/>
               </a:rPr>
               <a:t>cat.breed</a:t>
             </a:r>
             <a:r>
-              <a:rPr lang="en-US" sz="1400" dirty="0">
+              <a:rPr lang="en-US" dirty="0">
                 <a:latin typeface="Calibri" panose="020F0502020204030204" pitchFamily="34" charset="0"/>
               </a:rPr>
               <a:t> = ‘</a:t>
             </a:r>
             <a:r>
-              <a:rPr lang="en-US" sz="1400" dirty="0" err="1">
+              <a:rPr lang="en-US" dirty="0" err="1">
                 <a:latin typeface="Calibri" panose="020F0502020204030204" pitchFamily="34" charset="0"/>
               </a:rPr>
               <a:t>burmese</a:t>
             </a:r>
             <a:r>
-              <a:rPr lang="en-US" sz="1400" dirty="0">
+              <a:rPr lang="en-US" dirty="0">
                 <a:latin typeface="Calibri" panose="020F0502020204030204" pitchFamily="34" charset="0"/>
               </a:rPr>
               <a:t>’; </a:t>
@@ -3012,13 +3022,13 @@
           </a:p>
           <a:p>
             <a:r>
-              <a:rPr lang="en-US" sz="1400" dirty="0" err="1">
+              <a:rPr lang="en-US" dirty="0" err="1">
                 <a:latin typeface="Calibri" panose="020F0502020204030204" pitchFamily="34" charset="0"/>
               </a:rPr>
               <a:t>cat.weight</a:t>
             </a:r>
             <a:r>
-              <a:rPr lang="en-US" sz="1400" dirty="0">
+              <a:rPr lang="en-US" dirty="0">
                 <a:latin typeface="Calibri" panose="020F0502020204030204" pitchFamily="34" charset="0"/>
               </a:rPr>
               <a:t> = ‘5 kg’; </a:t>
@@ -3026,7 +3036,7 @@
           </a:p>
           <a:p>
             <a:r>
-              <a:rPr lang="en-US" sz="1400" dirty="0">
+              <a:rPr lang="en-US" dirty="0">
                 <a:latin typeface="Calibri" panose="020F0502020204030204" pitchFamily="34" charset="0"/>
               </a:rPr>
               <a:t>cat.eat = function() {   …   }</a:t>
@@ -3043,7 +3053,7 @@
         <p:spPr>
           <a:xfrm>
             <a:off x="1097280" y="4219456"/>
-            <a:ext cx="7498080" cy="307777"/>
+            <a:ext cx="7498080" cy="369332"/>
           </a:xfrm>
           <a:prstGeom prst="rect">
             <a:avLst/>
@@ -3057,12 +3067,12 @@
           <a:lstStyle/>
           <a:p>
             <a:r>
-              <a:rPr lang="ru-RU" sz="1400" dirty="0">
+              <a:rPr lang="ru-RU" dirty="0">
                 <a:latin typeface="Calibri" panose="020F0502020204030204" pitchFamily="34" charset="0"/>
               </a:rPr>
               <a:t>Функции, которые находятся в объекте, называются методами</a:t>
             </a:r>
-            <a:endParaRPr lang="uk-UA" sz="1400" dirty="0">
+            <a:endParaRPr lang="uk-UA" dirty="0">
               <a:latin typeface="Calibri" panose="020F0502020204030204" pitchFamily="34" charset="0"/>
             </a:endParaRPr>
           </a:p>
@@ -3071,7 +3081,7 @@
     </p:spTree>
     <p:extLst>
       <p:ext uri="{BB962C8B-B14F-4D97-AF65-F5344CB8AC3E}">
-        <p14:creationId xmlns:p14="http://schemas.microsoft.com/office/powerpoint/2010/main" val="1440386950"/>
+        <p14:creationId xmlns:p14="http://schemas.microsoft.com/office/powerpoint/2010/main" xmlns="" val="1440386950"/>
       </p:ext>
     </p:extLst>
   </p:cSld>
@@ -3121,11 +3131,15 @@
           <a:lstStyle/>
           <a:p>
             <a:r>
-              <a:rPr lang="ru-RU" dirty="0"/>
+              <a:rPr lang="ru-RU" sz="1800" dirty="0">
+                <a:latin typeface="Calibri" pitchFamily="34" charset="0"/>
+              </a:rPr>
               <a:t>Массивы в </a:t>
             </a:r>
             <a:r>
-              <a:rPr lang="en-US" dirty="0"/>
+              <a:rPr lang="en-US" sz="1800" dirty="0">
+                <a:latin typeface="Calibri" pitchFamily="34" charset="0"/>
+              </a:rPr>
               <a:t>JavaScript</a:t>
             </a:r>
           </a:p>
@@ -3140,7 +3154,7 @@
         <p:spPr>
           <a:xfrm>
             <a:off x="457200" y="1291590"/>
-            <a:ext cx="2651760" cy="1815882"/>
+            <a:ext cx="2651760" cy="2862322"/>
           </a:xfrm>
           <a:prstGeom prst="rect">
             <a:avLst/>
@@ -3154,13 +3168,13 @@
           <a:lstStyle/>
           <a:p>
             <a:r>
-              <a:rPr lang="ru-RU" sz="1400" b="1" dirty="0">
+              <a:rPr lang="ru-RU" b="1" dirty="0">
                 <a:latin typeface="Calibri" panose="020F0502020204030204" pitchFamily="34" charset="0"/>
               </a:rPr>
               <a:t>Массив</a:t>
             </a:r>
             <a:r>
-              <a:rPr lang="ru-RU" sz="1400" dirty="0">
+              <a:rPr lang="ru-RU" dirty="0">
                 <a:latin typeface="Calibri" panose="020F0502020204030204" pitchFamily="34" charset="0"/>
               </a:rPr>
               <a:t> – разновидность объекта, которая предназначена для хранения пронумерованных значений и предлагает дополнительные методы для удобного манипулирования такой коллекцией.</a:t>
@@ -3197,7 +3211,7 @@
     </p:spTree>
     <p:extLst>
       <p:ext uri="{BB962C8B-B14F-4D97-AF65-F5344CB8AC3E}">
-        <p14:creationId xmlns:p14="http://schemas.microsoft.com/office/powerpoint/2010/main" val="2408212743"/>
+        <p14:creationId xmlns:p14="http://schemas.microsoft.com/office/powerpoint/2010/main" xmlns="" val="2408212743"/>
       </p:ext>
     </p:extLst>
   </p:cSld>
@@ -3247,11 +3261,15 @@
           <a:lstStyle/>
           <a:p>
             <a:r>
-              <a:rPr lang="ru-RU" dirty="0"/>
+              <a:rPr lang="ru-RU" sz="1800" dirty="0">
+                <a:latin typeface="Calibri" pitchFamily="34" charset="0"/>
+              </a:rPr>
               <a:t>Виды массивов </a:t>
             </a:r>
             <a:r>
-              <a:rPr lang="en-US" dirty="0"/>
+              <a:rPr lang="en-US" sz="1800" dirty="0">
+                <a:latin typeface="Calibri" pitchFamily="34" charset="0"/>
+              </a:rPr>
               <a:t>JavaScript</a:t>
             </a:r>
           </a:p>
@@ -3409,7 +3427,7 @@
         <p:spPr>
           <a:xfrm>
             <a:off x="731520" y="1657350"/>
-            <a:ext cx="3657600" cy="2246769"/>
+            <a:ext cx="3657600" cy="2862322"/>
           </a:xfrm>
           <a:prstGeom prst="rect">
             <a:avLst/>
@@ -3423,32 +3441,32 @@
           <a:lstStyle/>
           <a:p>
             <a:r>
-              <a:rPr lang="en-US" sz="1400" dirty="0">
+              <a:rPr lang="en-US" dirty="0">
                 <a:latin typeface="Calibri" panose="020F0502020204030204" pitchFamily="34" charset="0"/>
               </a:rPr>
               <a:t>      </a:t>
             </a:r>
             <a:r>
-              <a:rPr lang="ru-RU" sz="1400" dirty="0">
+              <a:rPr lang="ru-RU" dirty="0">
                 <a:latin typeface="Calibri" panose="020F0502020204030204" pitchFamily="34" charset="0"/>
               </a:rPr>
               <a:t>Одномерные</a:t>
             </a:r>
             <a:r>
-              <a:rPr lang="en-US" sz="1400" dirty="0">
+              <a:rPr lang="en-US" dirty="0">
                 <a:latin typeface="Calibri" panose="020F0502020204030204" pitchFamily="34" charset="0"/>
               </a:rPr>
               <a:t>:  </a:t>
             </a:r>
           </a:p>
           <a:p>
-            <a:endParaRPr lang="en-US" sz="1400" dirty="0">
+            <a:endParaRPr lang="en-US" dirty="0">
               <a:latin typeface="Calibri" panose="020F0502020204030204" pitchFamily="34" charset="0"/>
             </a:endParaRPr>
           </a:p>
           <a:p>
             <a:r>
-              <a:rPr lang="en-US" sz="1400" dirty="0" err="1">
+              <a:rPr lang="en-US" dirty="0" err="1">
                 <a:solidFill>
                   <a:srgbClr val="0000FF"/>
                 </a:solidFill>
@@ -3457,7 +3475,7 @@
               <a:t>var</a:t>
             </a:r>
             <a:r>
-              <a:rPr lang="en-US" sz="1400" dirty="0">
+              <a:rPr lang="en-US" dirty="0">
                 <a:solidFill>
                   <a:srgbClr val="0000FF"/>
                 </a:solidFill>
@@ -3466,13 +3484,13 @@
               <a:t> </a:t>
             </a:r>
             <a:r>
-              <a:rPr lang="en-US" sz="1400" dirty="0">
+              <a:rPr lang="en-US" dirty="0">
                 <a:latin typeface="Calibri" panose="020F0502020204030204" pitchFamily="34" charset="0"/>
               </a:rPr>
               <a:t>array = </a:t>
             </a:r>
             <a:r>
-              <a:rPr lang="en-US" sz="1400" dirty="0">
+              <a:rPr lang="en-US" dirty="0">
                 <a:solidFill>
                   <a:srgbClr val="0000FF"/>
                 </a:solidFill>
@@ -3481,20 +3499,20 @@
               <a:t>new</a:t>
             </a:r>
             <a:r>
-              <a:rPr lang="en-US" sz="1400" dirty="0">
+              <a:rPr lang="en-US" dirty="0">
                 <a:latin typeface="Calibri" panose="020F0502020204030204" pitchFamily="34" charset="0"/>
               </a:rPr>
               <a:t> Array(5); </a:t>
             </a:r>
           </a:p>
           <a:p>
-            <a:endParaRPr lang="en-US" sz="1400" dirty="0">
+            <a:endParaRPr lang="en-US" dirty="0">
               <a:latin typeface="Calibri" panose="020F0502020204030204" pitchFamily="34" charset="0"/>
             </a:endParaRPr>
           </a:p>
           <a:p>
             <a:r>
-              <a:rPr lang="en-US" sz="1400" dirty="0" err="1">
+              <a:rPr lang="en-US" dirty="0" err="1">
                 <a:solidFill>
                   <a:srgbClr val="0000FF"/>
                 </a:solidFill>
@@ -3503,7 +3521,7 @@
               <a:t>var</a:t>
             </a:r>
             <a:r>
-              <a:rPr lang="en-US" sz="1400" dirty="0">
+              <a:rPr lang="en-US" dirty="0">
                 <a:solidFill>
                   <a:srgbClr val="0000FF"/>
                 </a:solidFill>
@@ -3512,13 +3530,13 @@
               <a:t> </a:t>
             </a:r>
             <a:r>
-              <a:rPr lang="en-US" sz="1400" dirty="0">
+              <a:rPr lang="en-US" dirty="0">
                 <a:latin typeface="Calibri" panose="020F0502020204030204" pitchFamily="34" charset="0"/>
               </a:rPr>
               <a:t>array = </a:t>
             </a:r>
             <a:r>
-              <a:rPr lang="en-US" sz="1400" dirty="0">
+              <a:rPr lang="en-US" dirty="0">
                 <a:solidFill>
                   <a:srgbClr val="0000FF"/>
                 </a:solidFill>
@@ -3527,7 +3545,7 @@
               <a:t>new</a:t>
             </a:r>
             <a:r>
-              <a:rPr lang="en-US" sz="1400" dirty="0">
+              <a:rPr lang="en-US" dirty="0">
                 <a:latin typeface="Calibri" panose="020F0502020204030204" pitchFamily="34" charset="0"/>
               </a:rPr>
               <a:t> Array(1, 2, 3, 4, 5);  </a:t>
@@ -3535,7 +3553,7 @@
           </a:p>
           <a:p>
             <a:r>
-              <a:rPr lang="en-US" sz="1400" dirty="0">
+              <a:rPr lang="en-US" dirty="0">
                 <a:latin typeface="Calibri" panose="020F0502020204030204" pitchFamily="34" charset="0"/>
               </a:rPr>
               <a:t> </a:t>
@@ -3543,7 +3561,7 @@
           </a:p>
           <a:p>
             <a:r>
-              <a:rPr lang="en-US" sz="1400" dirty="0" err="1">
+              <a:rPr lang="en-US" dirty="0" err="1">
                 <a:solidFill>
                   <a:srgbClr val="0000FF"/>
                 </a:solidFill>
@@ -3552,7 +3570,7 @@
               <a:t>var</a:t>
             </a:r>
             <a:r>
-              <a:rPr lang="en-US" sz="1400" dirty="0">
+              <a:rPr lang="en-US" dirty="0">
                 <a:solidFill>
                   <a:srgbClr val="0000FF"/>
                 </a:solidFill>
@@ -3561,24 +3579,24 @@
               <a:t> </a:t>
             </a:r>
             <a:r>
-              <a:rPr lang="en-US" sz="1400" dirty="0">
+              <a:rPr lang="en-US" dirty="0">
                 <a:latin typeface="Calibri" panose="020F0502020204030204" pitchFamily="34" charset="0"/>
               </a:rPr>
               <a:t>array = [1, 2, 3, 4, 5]</a:t>
             </a:r>
           </a:p>
           <a:p>
-            <a:endParaRPr lang="en-US" sz="1400" dirty="0">
+            <a:endParaRPr lang="en-US" dirty="0">
               <a:latin typeface="Calibri" panose="020F0502020204030204" pitchFamily="34" charset="0"/>
             </a:endParaRPr>
           </a:p>
           <a:p>
-            <a:endParaRPr lang="en-US" sz="1400" dirty="0">
+            <a:endParaRPr lang="en-US" dirty="0">
               <a:latin typeface="Calibri" panose="020F0502020204030204" pitchFamily="34" charset="0"/>
             </a:endParaRPr>
           </a:p>
           <a:p>
-            <a:endParaRPr lang="uk-UA" sz="1400" dirty="0">
+            <a:endParaRPr lang="uk-UA" dirty="0">
               <a:latin typeface="Calibri" panose="020F0502020204030204" pitchFamily="34" charset="0"/>
             </a:endParaRPr>
           </a:p>
@@ -3593,7 +3611,7 @@
         <p:spPr>
           <a:xfrm>
             <a:off x="5486400" y="1657350"/>
-            <a:ext cx="3200400" cy="2462213"/>
+            <a:ext cx="3200400" cy="3139321"/>
           </a:xfrm>
           <a:prstGeom prst="rect">
             <a:avLst/>
@@ -3607,19 +3625,19 @@
           <a:lstStyle/>
           <a:p>
             <a:r>
-              <a:rPr lang="en-US" sz="1400" dirty="0">
+              <a:rPr lang="en-US" dirty="0">
                 <a:latin typeface="Calibri" panose="020F0502020204030204" pitchFamily="34" charset="0"/>
               </a:rPr>
               <a:t>           </a:t>
             </a:r>
             <a:r>
-              <a:rPr lang="ru-RU" sz="1400" dirty="0">
+              <a:rPr lang="ru-RU" dirty="0">
                 <a:latin typeface="Calibri" panose="020F0502020204030204" pitchFamily="34" charset="0"/>
               </a:rPr>
               <a:t>Многомерные</a:t>
             </a:r>
             <a:r>
-              <a:rPr lang="en-US" sz="1400" dirty="0">
+              <a:rPr lang="en-US" dirty="0">
                 <a:latin typeface="Calibri" panose="020F0502020204030204" pitchFamily="34" charset="0"/>
               </a:rPr>
               <a:t>: </a:t>
@@ -3627,7 +3645,7 @@
           </a:p>
           <a:p>
             <a:r>
-              <a:rPr lang="en-US" sz="1400" dirty="0">
+              <a:rPr lang="en-US" dirty="0">
                 <a:latin typeface="Calibri" panose="020F0502020204030204" pitchFamily="34" charset="0"/>
               </a:rPr>
               <a:t> </a:t>
@@ -3635,7 +3653,7 @@
           </a:p>
           <a:p>
             <a:r>
-              <a:rPr lang="en-US" sz="1400" dirty="0" err="1">
+              <a:rPr lang="en-US" dirty="0" err="1">
                 <a:solidFill>
                   <a:srgbClr val="0000FF"/>
                 </a:solidFill>
@@ -3644,7 +3662,7 @@
               <a:t>var</a:t>
             </a:r>
             <a:r>
-              <a:rPr lang="en-US" sz="1400" dirty="0">
+              <a:rPr lang="en-US" dirty="0">
                 <a:solidFill>
                   <a:srgbClr val="0000FF"/>
                 </a:solidFill>
@@ -3653,26 +3671,26 @@
               <a:t> </a:t>
             </a:r>
             <a:r>
-              <a:rPr lang="en-US" sz="1400" dirty="0">
+              <a:rPr lang="en-US" dirty="0">
                 <a:latin typeface="Calibri" panose="020F0502020204030204" pitchFamily="34" charset="0"/>
               </a:rPr>
               <a:t>array = Array(5); </a:t>
             </a:r>
           </a:p>
           <a:p>
-            <a:endParaRPr lang="en-US" sz="1400" dirty="0">
+            <a:endParaRPr lang="en-US" dirty="0">
               <a:latin typeface="Calibri" panose="020F0502020204030204" pitchFamily="34" charset="0"/>
             </a:endParaRPr>
           </a:p>
           <a:p>
             <a:r>
-              <a:rPr lang="en-US" sz="1400" dirty="0">
+              <a:rPr lang="en-US" dirty="0">
                 <a:latin typeface="Calibri" panose="020F0502020204030204" pitchFamily="34" charset="0"/>
               </a:rPr>
               <a:t>array[0] = </a:t>
             </a:r>
             <a:r>
-              <a:rPr lang="en-US" sz="1400" dirty="0">
+              <a:rPr lang="en-US" dirty="0">
                 <a:solidFill>
                   <a:srgbClr val="0000FF"/>
                 </a:solidFill>
@@ -3681,7 +3699,7 @@
               <a:t>new</a:t>
             </a:r>
             <a:r>
-              <a:rPr lang="en-US" sz="1400" dirty="0">
+              <a:rPr lang="en-US" dirty="0">
                 <a:latin typeface="Calibri" panose="020F0502020204030204" pitchFamily="34" charset="0"/>
               </a:rPr>
               <a:t> Array(5); </a:t>
@@ -3689,13 +3707,13 @@
           </a:p>
           <a:p>
             <a:r>
-              <a:rPr lang="en-US" sz="1400" dirty="0">
+              <a:rPr lang="en-US" dirty="0">
                 <a:latin typeface="Calibri" panose="020F0502020204030204" pitchFamily="34" charset="0"/>
               </a:rPr>
               <a:t>array[1] = </a:t>
             </a:r>
             <a:r>
-              <a:rPr lang="en-US" sz="1400" dirty="0">
+              <a:rPr lang="en-US" dirty="0">
                 <a:solidFill>
                   <a:srgbClr val="0000FF"/>
                 </a:solidFill>
@@ -3704,7 +3722,7 @@
               <a:t>new</a:t>
             </a:r>
             <a:r>
-              <a:rPr lang="en-US" sz="1400" dirty="0">
+              <a:rPr lang="en-US" dirty="0">
                 <a:latin typeface="Calibri" panose="020F0502020204030204" pitchFamily="34" charset="0"/>
               </a:rPr>
               <a:t> Array(5); </a:t>
@@ -3712,13 +3730,13 @@
           </a:p>
           <a:p>
             <a:r>
-              <a:rPr lang="en-US" sz="1400" dirty="0">
+              <a:rPr lang="en-US" dirty="0">
                 <a:latin typeface="Calibri" panose="020F0502020204030204" pitchFamily="34" charset="0"/>
               </a:rPr>
               <a:t>array[2] = </a:t>
             </a:r>
             <a:r>
-              <a:rPr lang="en-US" sz="1400" dirty="0">
+              <a:rPr lang="en-US" dirty="0">
                 <a:solidFill>
                   <a:srgbClr val="0000FF"/>
                 </a:solidFill>
@@ -3727,7 +3745,7 @@
               <a:t>new</a:t>
             </a:r>
             <a:r>
-              <a:rPr lang="en-US" sz="1400" dirty="0">
+              <a:rPr lang="en-US" dirty="0">
                 <a:latin typeface="Calibri" panose="020F0502020204030204" pitchFamily="34" charset="0"/>
               </a:rPr>
               <a:t> Array(5); </a:t>
@@ -3735,13 +3753,13 @@
           </a:p>
           <a:p>
             <a:r>
-              <a:rPr lang="en-US" sz="1400" dirty="0">
+              <a:rPr lang="en-US" dirty="0">
                 <a:latin typeface="Calibri" panose="020F0502020204030204" pitchFamily="34" charset="0"/>
               </a:rPr>
               <a:t>array[3] = </a:t>
             </a:r>
             <a:r>
-              <a:rPr lang="en-US" sz="1400" dirty="0">
+              <a:rPr lang="en-US" dirty="0">
                 <a:solidFill>
                   <a:srgbClr val="0000FF"/>
                 </a:solidFill>
@@ -3750,7 +3768,7 @@
               <a:t>new</a:t>
             </a:r>
             <a:r>
-              <a:rPr lang="en-US" sz="1400" dirty="0">
+              <a:rPr lang="en-US" dirty="0">
                 <a:latin typeface="Calibri" panose="020F0502020204030204" pitchFamily="34" charset="0"/>
               </a:rPr>
               <a:t> Array(5); </a:t>
@@ -3758,13 +3776,13 @@
           </a:p>
           <a:p>
             <a:r>
-              <a:rPr lang="en-US" sz="1400" dirty="0">
+              <a:rPr lang="en-US" dirty="0">
                 <a:latin typeface="Calibri" panose="020F0502020204030204" pitchFamily="34" charset="0"/>
               </a:rPr>
               <a:t>array[4] = </a:t>
             </a:r>
             <a:r>
-              <a:rPr lang="en-US" sz="1400" dirty="0">
+              <a:rPr lang="en-US" dirty="0">
                 <a:solidFill>
                   <a:srgbClr val="0000FF"/>
                 </a:solidFill>
@@ -3773,7 +3791,7 @@
               <a:t>new</a:t>
             </a:r>
             <a:r>
-              <a:rPr lang="en-US" sz="1400" dirty="0">
+              <a:rPr lang="en-US" dirty="0">
                 <a:latin typeface="Calibri" panose="020F0502020204030204" pitchFamily="34" charset="0"/>
               </a:rPr>
               <a:t> Array(5); </a:t>
@@ -3781,7 +3799,7 @@
           </a:p>
           <a:p>
             <a:r>
-              <a:rPr lang="en-US" sz="1400" dirty="0">
+              <a:rPr lang="en-US" dirty="0">
                 <a:latin typeface="Calibri" panose="020F0502020204030204" pitchFamily="34" charset="0"/>
               </a:rPr>
               <a:t> </a:t>
@@ -3789,12 +3807,12 @@
           </a:p>
           <a:p>
             <a:r>
-              <a:rPr lang="en-US" sz="1400" dirty="0">
+              <a:rPr lang="en-US" dirty="0">
                 <a:latin typeface="Calibri" panose="020F0502020204030204" pitchFamily="34" charset="0"/>
               </a:rPr>
               <a:t> </a:t>
             </a:r>
-            <a:endParaRPr lang="uk-UA" sz="1400" dirty="0">
+            <a:endParaRPr lang="uk-UA" dirty="0">
               <a:latin typeface="Calibri" panose="020F0502020204030204" pitchFamily="34" charset="0"/>
             </a:endParaRPr>
           </a:p>
@@ -3803,7 +3821,7 @@
     </p:spTree>
     <p:extLst>
       <p:ext uri="{BB962C8B-B14F-4D97-AF65-F5344CB8AC3E}">
-        <p14:creationId xmlns:p14="http://schemas.microsoft.com/office/powerpoint/2010/main" val="9290874"/>
+        <p14:creationId xmlns:p14="http://schemas.microsoft.com/office/powerpoint/2010/main" xmlns="" val="9290874"/>
       </p:ext>
     </p:extLst>
   </p:cSld>
